--- a/ARQ-aula-1.pptx
+++ b/ARQ-aula-1.pptx
@@ -170,7 +170,7 @@
   </p:defaultTextStyle>
   <p:extLst>
     <p:ext uri="{521415D9-36F7-43E2-AB2F-B90AF26B5E84}">
-      <p14:sectionLst xmlns:p14="http://schemas.microsoft.com/office/powerpoint/2010/main">
+      <p14:sectionLst xmlns:p14="http://schemas.microsoft.com/office/powerpoint/2010/main" xmlns="">
         <p14:section name="Início" id="{1B608705-BE84-48F0-8AB6-250D0AF1C65F}">
           <p14:sldIdLst>
             <p14:sldId id="256"/>
@@ -333,7 +333,8 @@
           <a:p>
             <a:fld id="{7AC48E7B-B1CC-451A-AE45-8F248FEB067F}" type="datetimeFigureOut">
               <a:rPr lang="pt-BR" smtClean="0"/>
-              <a:t>15/05/2014</a:t>
+              <a:pPr/>
+              <a:t>15/09/2014</a:t>
             </a:fld>
             <a:endParaRPr lang="pt-BR"/>
           </a:p>
@@ -492,6 +493,7 @@
           <a:p>
             <a:fld id="{571805AA-0EF3-49EA-A5AC-2FE55103740B}" type="slidenum">
               <a:rPr lang="pt-BR" smtClean="0"/>
+              <a:pPr/>
               <a:t>‹nº›</a:t>
             </a:fld>
             <a:endParaRPr lang="pt-BR"/>
@@ -501,7 +503,7 @@
     </p:spTree>
     <p:extLst>
       <p:ext uri="{BB962C8B-B14F-4D97-AF65-F5344CB8AC3E}">
-        <p14:creationId xmlns:p14="http://schemas.microsoft.com/office/powerpoint/2010/main" val="1861214248"/>
+        <p14:creationId xmlns:p14="http://schemas.microsoft.com/office/powerpoint/2010/main" xmlns="" val="1861214248"/>
       </p:ext>
     </p:extLst>
   </p:cSld>
@@ -1228,7 +1230,7 @@
             <a:fld id="{544213AF-26F6-41FA-8D85-E2C5388D6E58}" type="datetimeFigureOut">
               <a:rPr lang="en-US" smtClean="0"/>
               <a:pPr eaLnBrk="1" latinLnBrk="0" hangingPunct="1"/>
-              <a:t>5/15/2014</a:t>
+              <a:t>9/15/2014</a:t>
             </a:fld>
             <a:endParaRPr lang="en-US" dirty="0">
               <a:solidFill>
@@ -1324,7 +1326,7 @@
           <a:blip r:embed="rId3">
             <a:extLst>
               <a:ext uri="{28A0092B-C50C-407E-A947-70E740481C1C}">
-                <a14:useLocalDpi xmlns:a14="http://schemas.microsoft.com/office/drawing/2010/main" val="0"/>
+                <a14:useLocalDpi xmlns:a14="http://schemas.microsoft.com/office/drawing/2010/main" xmlns="" val="0"/>
               </a:ext>
             </a:extLst>
           </a:blip>
@@ -1472,7 +1474,7 @@
             <a:fld id="{544213AF-26F6-41FA-8D85-E2C5388D6E58}" type="datetimeFigureOut">
               <a:rPr lang="en-US" smtClean="0"/>
               <a:pPr eaLnBrk="1" latinLnBrk="0" hangingPunct="1"/>
-              <a:t>5/15/2014</a:t>
+              <a:t>9/15/2014</a:t>
             </a:fld>
             <a:endParaRPr lang="en-US"/>
           </a:p>
@@ -1661,7 +1663,7 @@
             <a:fld id="{544213AF-26F6-41FA-8D85-E2C5388D6E58}" type="datetimeFigureOut">
               <a:rPr lang="en-US" smtClean="0"/>
               <a:pPr eaLnBrk="1" latinLnBrk="0" hangingPunct="1"/>
-              <a:t>5/15/2014</a:t>
+              <a:t>9/15/2014</a:t>
             </a:fld>
             <a:endParaRPr lang="en-US"/>
           </a:p>
@@ -1815,7 +1817,7 @@
             <a:fld id="{544213AF-26F6-41FA-8D85-E2C5388D6E58}" type="datetimeFigureOut">
               <a:rPr lang="en-US" smtClean="0"/>
               <a:pPr eaLnBrk="1" latinLnBrk="0" hangingPunct="1"/>
-              <a:t>5/15/2014</a:t>
+              <a:t>9/15/2014</a:t>
             </a:fld>
             <a:endParaRPr lang="en-US"/>
           </a:p>
@@ -2074,7 +2076,7 @@
             <a:fld id="{544213AF-26F6-41FA-8D85-E2C5388D6E58}" type="datetimeFigureOut">
               <a:rPr lang="en-US" smtClean="0"/>
               <a:pPr eaLnBrk="1" latinLnBrk="0" hangingPunct="1"/>
-              <a:t>5/15/2014</a:t>
+              <a:t>9/15/2014</a:t>
             </a:fld>
             <a:endParaRPr lang="en-US"/>
           </a:p>
@@ -2487,7 +2489,7 @@
             <a:fld id="{544213AF-26F6-41FA-8D85-E2C5388D6E58}" type="datetimeFigureOut">
               <a:rPr lang="en-US" smtClean="0"/>
               <a:pPr eaLnBrk="1" latinLnBrk="0" hangingPunct="1"/>
-              <a:t>5/15/2014</a:t>
+              <a:t>9/15/2014</a:t>
             </a:fld>
             <a:endParaRPr lang="en-US"/>
           </a:p>
@@ -2937,7 +2939,7 @@
             <a:fld id="{544213AF-26F6-41FA-8D85-E2C5388D6E58}" type="datetimeFigureOut">
               <a:rPr lang="en-US" smtClean="0"/>
               <a:pPr eaLnBrk="1" latinLnBrk="0" hangingPunct="1"/>
-              <a:t>5/15/2014</a:t>
+              <a:t>9/15/2014</a:t>
             </a:fld>
             <a:endParaRPr lang="en-US"/>
           </a:p>
@@ -3003,7 +3005,7 @@
           <a:blip r:embed="rId2">
             <a:extLst>
               <a:ext uri="{28A0092B-C50C-407E-A947-70E740481C1C}">
-                <a14:useLocalDpi xmlns:a14="http://schemas.microsoft.com/office/drawing/2010/main" val="0"/>
+                <a14:useLocalDpi xmlns:a14="http://schemas.microsoft.com/office/drawing/2010/main" xmlns="" val="0"/>
               </a:ext>
             </a:extLst>
           </a:blip>
@@ -3072,7 +3074,7 @@
             <a:fld id="{544213AF-26F6-41FA-8D85-E2C5388D6E58}" type="datetimeFigureOut">
               <a:rPr lang="en-US" smtClean="0"/>
               <a:pPr eaLnBrk="1" latinLnBrk="0" hangingPunct="1"/>
-              <a:t>5/15/2014</a:t>
+              <a:t>9/15/2014</a:t>
             </a:fld>
             <a:endParaRPr lang="en-US"/>
           </a:p>
@@ -3197,7 +3199,7 @@
             <a:fld id="{544213AF-26F6-41FA-8D85-E2C5388D6E58}" type="datetimeFigureOut">
               <a:rPr lang="en-US" smtClean="0"/>
               <a:pPr eaLnBrk="1" latinLnBrk="0" hangingPunct="1"/>
-              <a:t>5/15/2014</a:t>
+              <a:t>9/15/2014</a:t>
             </a:fld>
             <a:endParaRPr lang="en-US"/>
           </a:p>
@@ -3475,7 +3477,7 @@
             <a:fld id="{544213AF-26F6-41FA-8D85-E2C5388D6E58}" type="datetimeFigureOut">
               <a:rPr lang="en-US" smtClean="0"/>
               <a:pPr eaLnBrk="1" latinLnBrk="0" hangingPunct="1"/>
-              <a:t>5/15/2014</a:t>
+              <a:t>9/15/2014</a:t>
             </a:fld>
             <a:endParaRPr lang="en-US"/>
           </a:p>
@@ -3541,7 +3543,7 @@
           <a:blip r:embed="rId2">
             <a:extLst>
               <a:ext uri="{28A0092B-C50C-407E-A947-70E740481C1C}">
-                <a14:useLocalDpi xmlns:a14="http://schemas.microsoft.com/office/drawing/2010/main" val="0"/>
+                <a14:useLocalDpi xmlns:a14="http://schemas.microsoft.com/office/drawing/2010/main" xmlns="" val="0"/>
               </a:ext>
             </a:extLst>
           </a:blip>
@@ -3714,7 +3716,7 @@
             <a:fld id="{544213AF-26F6-41FA-8D85-E2C5388D6E58}" type="datetimeFigureOut">
               <a:rPr lang="en-US" smtClean="0"/>
               <a:pPr eaLnBrk="1" latinLnBrk="0" hangingPunct="1"/>
-              <a:t>5/15/2014</a:t>
+              <a:t>9/15/2014</a:t>
             </a:fld>
             <a:endParaRPr lang="en-US">
               <a:solidFill>
@@ -4349,7 +4351,7 @@
           <a:blip r:embed="rId3">
             <a:extLst>
               <a:ext uri="{28A0092B-C50C-407E-A947-70E740481C1C}">
-                <a14:useLocalDpi xmlns:a14="http://schemas.microsoft.com/office/drawing/2010/main" val="0"/>
+                <a14:useLocalDpi xmlns:a14="http://schemas.microsoft.com/office/drawing/2010/main" xmlns="" val="0"/>
               </a:ext>
             </a:extLst>
           </a:blip>
@@ -4869,7 +4871,7 @@
             <a:fld id="{544213AF-26F6-41FA-8D85-E2C5388D6E58}" type="datetimeFigureOut">
               <a:rPr lang="en-US" smtClean="0"/>
               <a:pPr eaLnBrk="1" latinLnBrk="0" hangingPunct="1"/>
-              <a:t>5/15/2014</a:t>
+              <a:t>9/15/2014</a:t>
             </a:fld>
             <a:endParaRPr lang="en-US" sz="1000" dirty="0">
               <a:solidFill>
@@ -4978,7 +4980,7 @@
           <a:blip r:embed="rId14">
             <a:extLst>
               <a:ext uri="{28A0092B-C50C-407E-A947-70E740481C1C}">
-                <a14:useLocalDpi xmlns:a14="http://schemas.microsoft.com/office/drawing/2010/main" val="0"/>
+                <a14:useLocalDpi xmlns:a14="http://schemas.microsoft.com/office/drawing/2010/main" xmlns="" val="0"/>
               </a:ext>
             </a:extLst>
           </a:blip>
@@ -5383,8 +5385,10 @@
           <a:p>
             <a:r>
               <a:rPr lang="pt-BR" dirty="0" smtClean="0"/>
-              <a:t>professor@marcoandrei.com</a:t>
-            </a:r>
+              <a:t>professor@marcoandrei.</a:t>
+            </a:r>
+          </a:p>
+          <a:p>
             <a:endParaRPr lang="pt-BR" dirty="0"/>
           </a:p>
         </p:txBody>
@@ -5392,7 +5396,7 @@
     </p:spTree>
     <p:extLst>
       <p:ext uri="{BB962C8B-B14F-4D97-AF65-F5344CB8AC3E}">
-        <p14:creationId xmlns:p14="http://schemas.microsoft.com/office/powerpoint/2010/main" val="3821680502"/>
+        <p14:creationId xmlns:p14="http://schemas.microsoft.com/office/powerpoint/2010/main" xmlns="" val="3821680502"/>
       </p:ext>
     </p:extLst>
   </p:cSld>
@@ -5501,7 +5505,7 @@
     </p:spTree>
     <p:extLst>
       <p:ext uri="{BB962C8B-B14F-4D97-AF65-F5344CB8AC3E}">
-        <p14:creationId xmlns:p14="http://schemas.microsoft.com/office/powerpoint/2010/main" val="1005364207"/>
+        <p14:creationId xmlns:p14="http://schemas.microsoft.com/office/powerpoint/2010/main" xmlns="" val="1005364207"/>
       </p:ext>
     </p:extLst>
   </p:cSld>
@@ -5635,7 +5639,7 @@
     </p:spTree>
     <p:extLst>
       <p:ext uri="{BB962C8B-B14F-4D97-AF65-F5344CB8AC3E}">
-        <p14:creationId xmlns:p14="http://schemas.microsoft.com/office/powerpoint/2010/main" val="36850865"/>
+        <p14:creationId xmlns:p14="http://schemas.microsoft.com/office/powerpoint/2010/main" xmlns="" val="36850865"/>
       </p:ext>
     </p:extLst>
   </p:cSld>
@@ -5750,7 +5754,7 @@
           <a:blip r:embed="rId2">
             <a:extLst>
               <a:ext uri="{28A0092B-C50C-407E-A947-70E740481C1C}">
-                <a14:useLocalDpi xmlns:a14="http://schemas.microsoft.com/office/drawing/2010/main" val="0"/>
+                <a14:useLocalDpi xmlns:a14="http://schemas.microsoft.com/office/drawing/2010/main" xmlns="" val="0"/>
               </a:ext>
             </a:extLst>
           </a:blip>
@@ -5773,14 +5777,14 @@
           </a:ln>
           <a:extLst>
             <a:ext uri="{909E8E84-426E-40DD-AFC4-6F175D3DCCD1}">
-              <a14:hiddenFill xmlns:a14="http://schemas.microsoft.com/office/drawing/2010/main">
+              <a14:hiddenFill xmlns:a14="http://schemas.microsoft.com/office/drawing/2010/main" xmlns="">
                 <a:solidFill>
                   <a:srgbClr val="FFFFFF"/>
                 </a:solidFill>
               </a14:hiddenFill>
             </a:ext>
             <a:ext uri="{91240B29-F687-4F45-9708-019B960494DF}">
-              <a14:hiddenLine xmlns:a14="http://schemas.microsoft.com/office/drawing/2010/main" w="9525">
+              <a14:hiddenLine xmlns:a14="http://schemas.microsoft.com/office/drawing/2010/main" xmlns="" w="9525">
                 <a:solidFill>
                   <a:srgbClr val="000000"/>
                 </a:solidFill>
@@ -5795,7 +5799,7 @@
     </p:spTree>
     <p:extLst>
       <p:ext uri="{BB962C8B-B14F-4D97-AF65-F5344CB8AC3E}">
-        <p14:creationId xmlns:p14="http://schemas.microsoft.com/office/powerpoint/2010/main" val="2640834122"/>
+        <p14:creationId xmlns:p14="http://schemas.microsoft.com/office/powerpoint/2010/main" xmlns="" val="2640834122"/>
       </p:ext>
     </p:extLst>
   </p:cSld>
@@ -5937,7 +5941,7 @@
     </p:spTree>
     <p:extLst>
       <p:ext uri="{BB962C8B-B14F-4D97-AF65-F5344CB8AC3E}">
-        <p14:creationId xmlns:p14="http://schemas.microsoft.com/office/powerpoint/2010/main" val="2000504409"/>
+        <p14:creationId xmlns:p14="http://schemas.microsoft.com/office/powerpoint/2010/main" xmlns="" val="2000504409"/>
       </p:ext>
     </p:extLst>
   </p:cSld>
@@ -5989,11 +5993,7 @@
           <a:p>
             <a:r>
               <a:rPr lang="pt-BR" dirty="0" smtClean="0"/>
-              <a:t>Anos </a:t>
-            </a:r>
-            <a:r>
-              <a:rPr lang="pt-BR" dirty="0" smtClean="0"/>
-              <a:t>80</a:t>
+              <a:t>Anos 80</a:t>
             </a:r>
             <a:endParaRPr lang="pt-BR" dirty="0"/>
           </a:p>
@@ -6086,7 +6086,7 @@
           <a:blip r:embed="rId2">
             <a:extLst>
               <a:ext uri="{28A0092B-C50C-407E-A947-70E740481C1C}">
-                <a14:useLocalDpi xmlns:a14="http://schemas.microsoft.com/office/drawing/2010/main" val="0"/>
+                <a14:useLocalDpi xmlns:a14="http://schemas.microsoft.com/office/drawing/2010/main" xmlns="" val="0"/>
               </a:ext>
             </a:extLst>
           </a:blip>
@@ -6104,7 +6104,7 @@
           <a:noFill/>
           <a:extLst>
             <a:ext uri="{909E8E84-426E-40DD-AFC4-6F175D3DCCD1}">
-              <a14:hiddenFill xmlns:a14="http://schemas.microsoft.com/office/drawing/2010/main">
+              <a14:hiddenFill xmlns:a14="http://schemas.microsoft.com/office/drawing/2010/main" xmlns="">
                 <a:solidFill>
                   <a:srgbClr val="FFFFFF"/>
                 </a:solidFill>
@@ -6116,7 +6116,7 @@
     </p:spTree>
     <p:extLst>
       <p:ext uri="{BB962C8B-B14F-4D97-AF65-F5344CB8AC3E}">
-        <p14:creationId xmlns:p14="http://schemas.microsoft.com/office/powerpoint/2010/main" val="61657764"/>
+        <p14:creationId xmlns:p14="http://schemas.microsoft.com/office/powerpoint/2010/main" xmlns="" val="61657764"/>
       </p:ext>
     </p:extLst>
   </p:cSld>
@@ -6275,7 +6275,7 @@
     </p:spTree>
     <p:extLst>
       <p:ext uri="{BB962C8B-B14F-4D97-AF65-F5344CB8AC3E}">
-        <p14:creationId xmlns:p14="http://schemas.microsoft.com/office/powerpoint/2010/main" val="3254389648"/>
+        <p14:creationId xmlns:p14="http://schemas.microsoft.com/office/powerpoint/2010/main" xmlns="" val="3254389648"/>
       </p:ext>
     </p:extLst>
   </p:cSld>
@@ -6347,7 +6347,7 @@
           <a:blip r:embed="rId2">
             <a:extLst>
               <a:ext uri="{28A0092B-C50C-407E-A947-70E740481C1C}">
-                <a14:useLocalDpi xmlns:a14="http://schemas.microsoft.com/office/drawing/2010/main" val="0"/>
+                <a14:useLocalDpi xmlns:a14="http://schemas.microsoft.com/office/drawing/2010/main" xmlns="" val="0"/>
               </a:ext>
             </a:extLst>
           </a:blip>
@@ -6367,7 +6367,7 @@
           <a:noFill/>
           <a:extLst>
             <a:ext uri="{909E8E84-426E-40DD-AFC4-6F175D3DCCD1}">
-              <a14:hiddenFill xmlns:a14="http://schemas.microsoft.com/office/drawing/2010/main">
+              <a14:hiddenFill xmlns:a14="http://schemas.microsoft.com/office/drawing/2010/main" xmlns="">
                 <a:solidFill>
                   <a:srgbClr val="FFFFFF"/>
                 </a:solidFill>
@@ -6379,7 +6379,7 @@
     </p:spTree>
     <p:extLst>
       <p:ext uri="{BB962C8B-B14F-4D97-AF65-F5344CB8AC3E}">
-        <p14:creationId xmlns:p14="http://schemas.microsoft.com/office/powerpoint/2010/main" val="338994045"/>
+        <p14:creationId xmlns:p14="http://schemas.microsoft.com/office/powerpoint/2010/main" xmlns="" val="338994045"/>
       </p:ext>
     </p:extLst>
   </p:cSld>
@@ -6508,7 +6508,7 @@
     </p:spTree>
     <p:extLst>
       <p:ext uri="{BB962C8B-B14F-4D97-AF65-F5344CB8AC3E}">
-        <p14:creationId xmlns:p14="http://schemas.microsoft.com/office/powerpoint/2010/main" val="679376766"/>
+        <p14:creationId xmlns:p14="http://schemas.microsoft.com/office/powerpoint/2010/main" xmlns="" val="679376766"/>
       </p:ext>
     </p:extLst>
   </p:cSld>
@@ -6621,7 +6621,7 @@
     </p:spTree>
     <p:extLst>
       <p:ext uri="{BB962C8B-B14F-4D97-AF65-F5344CB8AC3E}">
-        <p14:creationId xmlns:p14="http://schemas.microsoft.com/office/powerpoint/2010/main" val="1294900506"/>
+        <p14:creationId xmlns:p14="http://schemas.microsoft.com/office/powerpoint/2010/main" xmlns="" val="1294900506"/>
       </p:ext>
     </p:extLst>
   </p:cSld>
@@ -6759,7 +6759,7 @@
     </p:spTree>
     <p:extLst>
       <p:ext uri="{BB962C8B-B14F-4D97-AF65-F5344CB8AC3E}">
-        <p14:creationId xmlns:p14="http://schemas.microsoft.com/office/powerpoint/2010/main" val="3428894590"/>
+        <p14:creationId xmlns:p14="http://schemas.microsoft.com/office/powerpoint/2010/main" xmlns="" val="3428894590"/>
       </p:ext>
     </p:extLst>
   </p:cSld>
@@ -6882,7 +6882,7 @@
     </p:spTree>
     <p:extLst>
       <p:ext uri="{BB962C8B-B14F-4D97-AF65-F5344CB8AC3E}">
-        <p14:creationId xmlns:p14="http://schemas.microsoft.com/office/powerpoint/2010/main" val="3792982144"/>
+        <p14:creationId xmlns:p14="http://schemas.microsoft.com/office/powerpoint/2010/main" xmlns="" val="3792982144"/>
       </p:ext>
     </p:extLst>
   </p:cSld>
@@ -6990,7 +6990,7 @@
     </p:spTree>
     <p:extLst>
       <p:ext uri="{BB962C8B-B14F-4D97-AF65-F5344CB8AC3E}">
-        <p14:creationId xmlns:p14="http://schemas.microsoft.com/office/powerpoint/2010/main" val="1511715826"/>
+        <p14:creationId xmlns:p14="http://schemas.microsoft.com/office/powerpoint/2010/main" xmlns="" val="1511715826"/>
       </p:ext>
     </p:extLst>
   </p:cSld>
@@ -7131,7 +7131,7 @@
     </p:spTree>
     <p:extLst>
       <p:ext uri="{BB962C8B-B14F-4D97-AF65-F5344CB8AC3E}">
-        <p14:creationId xmlns:p14="http://schemas.microsoft.com/office/powerpoint/2010/main" val="1292763433"/>
+        <p14:creationId xmlns:p14="http://schemas.microsoft.com/office/powerpoint/2010/main" xmlns="" val="1292763433"/>
       </p:ext>
     </p:extLst>
   </p:cSld>
@@ -7207,7 +7207,7 @@
           <a:blip r:embed="rId2">
             <a:extLst>
               <a:ext uri="{28A0092B-C50C-407E-A947-70E740481C1C}">
-                <a14:useLocalDpi xmlns:a14="http://schemas.microsoft.com/office/drawing/2010/main" val="0"/>
+                <a14:useLocalDpi xmlns:a14="http://schemas.microsoft.com/office/drawing/2010/main" xmlns="" val="0"/>
               </a:ext>
             </a:extLst>
           </a:blip>
@@ -7231,14 +7231,14 @@
           <a:effectLst/>
           <a:extLst>
             <a:ext uri="{909E8E84-426E-40DD-AFC4-6F175D3DCCD1}">
-              <a14:hiddenFill xmlns:a14="http://schemas.microsoft.com/office/drawing/2010/main">
+              <a14:hiddenFill xmlns:a14="http://schemas.microsoft.com/office/drawing/2010/main" xmlns="">
                 <a:solidFill>
                   <a:schemeClr val="accent1"/>
                 </a:solidFill>
               </a14:hiddenFill>
             </a:ext>
             <a:ext uri="{91240B29-F687-4F45-9708-019B960494DF}">
-              <a14:hiddenLine xmlns:a14="http://schemas.microsoft.com/office/drawing/2010/main" w="9525">
+              <a14:hiddenLine xmlns:a14="http://schemas.microsoft.com/office/drawing/2010/main" xmlns="" w="9525">
                 <a:solidFill>
                   <a:schemeClr val="tx1"/>
                 </a:solidFill>
@@ -7248,7 +7248,7 @@
               </a14:hiddenLine>
             </a:ext>
             <a:ext uri="{AF507438-7753-43E0-B8FC-AC1667EBCBE1}">
-              <a14:hiddenEffects xmlns:a14="http://schemas.microsoft.com/office/drawing/2010/main">
+              <a14:hiddenEffects xmlns:a14="http://schemas.microsoft.com/office/drawing/2010/main" xmlns="">
                 <a:effectLst>
                   <a:outerShdw dist="35921" dir="2700000" algn="ctr" rotWithShape="0">
                     <a:schemeClr val="bg2"/>
@@ -7262,7 +7262,7 @@
     </p:spTree>
     <p:extLst>
       <p:ext uri="{BB962C8B-B14F-4D97-AF65-F5344CB8AC3E}">
-        <p14:creationId xmlns:p14="http://schemas.microsoft.com/office/powerpoint/2010/main" val="4210422742"/>
+        <p14:creationId xmlns:p14="http://schemas.microsoft.com/office/powerpoint/2010/main" xmlns="" val="4210422742"/>
       </p:ext>
     </p:extLst>
   </p:cSld>
@@ -7371,7 +7371,7 @@
     </p:spTree>
     <p:extLst>
       <p:ext uri="{BB962C8B-B14F-4D97-AF65-F5344CB8AC3E}">
-        <p14:creationId xmlns:p14="http://schemas.microsoft.com/office/powerpoint/2010/main" val="1615525960"/>
+        <p14:creationId xmlns:p14="http://schemas.microsoft.com/office/powerpoint/2010/main" xmlns="" val="1615525960"/>
       </p:ext>
     </p:extLst>
   </p:cSld>
@@ -7518,7 +7518,7 @@
     </p:spTree>
     <p:extLst>
       <p:ext uri="{BB962C8B-B14F-4D97-AF65-F5344CB8AC3E}">
-        <p14:creationId xmlns:p14="http://schemas.microsoft.com/office/powerpoint/2010/main" val="3842365471"/>
+        <p14:creationId xmlns:p14="http://schemas.microsoft.com/office/powerpoint/2010/main" xmlns="" val="3842365471"/>
       </p:ext>
     </p:extLst>
   </p:cSld>
@@ -7644,7 +7644,7 @@
     </p:spTree>
     <p:extLst>
       <p:ext uri="{BB962C8B-B14F-4D97-AF65-F5344CB8AC3E}">
-        <p14:creationId xmlns:p14="http://schemas.microsoft.com/office/powerpoint/2010/main" val="1890361273"/>
+        <p14:creationId xmlns:p14="http://schemas.microsoft.com/office/powerpoint/2010/main" xmlns="" val="1890361273"/>
       </p:ext>
     </p:extLst>
   </p:cSld>
@@ -7796,7 +7796,7 @@
     </p:spTree>
     <p:extLst>
       <p:ext uri="{BB962C8B-B14F-4D97-AF65-F5344CB8AC3E}">
-        <p14:creationId xmlns:p14="http://schemas.microsoft.com/office/powerpoint/2010/main" val="159201544"/>
+        <p14:creationId xmlns:p14="http://schemas.microsoft.com/office/powerpoint/2010/main" xmlns="" val="159201544"/>
       </p:ext>
     </p:extLst>
   </p:cSld>
@@ -7885,7 +7885,7 @@
     </p:spTree>
     <p:extLst>
       <p:ext uri="{BB962C8B-B14F-4D97-AF65-F5344CB8AC3E}">
-        <p14:creationId xmlns:p14="http://schemas.microsoft.com/office/powerpoint/2010/main" val="278520465"/>
+        <p14:creationId xmlns:p14="http://schemas.microsoft.com/office/powerpoint/2010/main" xmlns="" val="278520465"/>
       </p:ext>
     </p:extLst>
   </p:cSld>
@@ -8079,7 +8079,7 @@
     </p:spTree>
     <p:extLst>
       <p:ext uri="{BB962C8B-B14F-4D97-AF65-F5344CB8AC3E}">
-        <p14:creationId xmlns:p14="http://schemas.microsoft.com/office/powerpoint/2010/main" val="193759187"/>
+        <p14:creationId xmlns:p14="http://schemas.microsoft.com/office/powerpoint/2010/main" xmlns="" val="193759187"/>
       </p:ext>
     </p:extLst>
   </p:cSld>
@@ -8216,7 +8216,7 @@
     </p:spTree>
     <p:extLst>
       <p:ext uri="{BB962C8B-B14F-4D97-AF65-F5344CB8AC3E}">
-        <p14:creationId xmlns:p14="http://schemas.microsoft.com/office/powerpoint/2010/main" val="3053043446"/>
+        <p14:creationId xmlns:p14="http://schemas.microsoft.com/office/powerpoint/2010/main" xmlns="" val="3053043446"/>
       </p:ext>
     </p:extLst>
   </p:cSld>
@@ -8300,7 +8300,7 @@
     </p:spTree>
     <p:extLst>
       <p:ext uri="{BB962C8B-B14F-4D97-AF65-F5344CB8AC3E}">
-        <p14:creationId xmlns:p14="http://schemas.microsoft.com/office/powerpoint/2010/main" val="4277628214"/>
+        <p14:creationId xmlns:p14="http://schemas.microsoft.com/office/powerpoint/2010/main" xmlns="" val="4277628214"/>
       </p:ext>
     </p:extLst>
   </p:cSld>
@@ -8417,7 +8417,7 @@
     </p:spTree>
     <p:extLst>
       <p:ext uri="{BB962C8B-B14F-4D97-AF65-F5344CB8AC3E}">
-        <p14:creationId xmlns:p14="http://schemas.microsoft.com/office/powerpoint/2010/main" val="78682219"/>
+        <p14:creationId xmlns:p14="http://schemas.microsoft.com/office/powerpoint/2010/main" xmlns="" val="78682219"/>
       </p:ext>
     </p:extLst>
   </p:cSld>
@@ -8546,7 +8546,7 @@
     </p:spTree>
     <p:extLst>
       <p:ext uri="{BB962C8B-B14F-4D97-AF65-F5344CB8AC3E}">
-        <p14:creationId xmlns:p14="http://schemas.microsoft.com/office/powerpoint/2010/main" val="2710197821"/>
+        <p14:creationId xmlns:p14="http://schemas.microsoft.com/office/powerpoint/2010/main" xmlns="" val="2710197821"/>
       </p:ext>
     </p:extLst>
   </p:cSld>
@@ -8641,7 +8641,7 @@
     </p:spTree>
     <p:extLst>
       <p:ext uri="{BB962C8B-B14F-4D97-AF65-F5344CB8AC3E}">
-        <p14:creationId xmlns:p14="http://schemas.microsoft.com/office/powerpoint/2010/main" val="3956375538"/>
+        <p14:creationId xmlns:p14="http://schemas.microsoft.com/office/powerpoint/2010/main" xmlns="" val="3956375538"/>
       </p:ext>
     </p:extLst>
   </p:cSld>
@@ -8756,7 +8756,7 @@
     </p:spTree>
     <p:extLst>
       <p:ext uri="{BB962C8B-B14F-4D97-AF65-F5344CB8AC3E}">
-        <p14:creationId xmlns:p14="http://schemas.microsoft.com/office/powerpoint/2010/main" val="4085588672"/>
+        <p14:creationId xmlns:p14="http://schemas.microsoft.com/office/powerpoint/2010/main" xmlns="" val="4085588672"/>
       </p:ext>
     </p:extLst>
   </p:cSld>
@@ -8873,7 +8873,7 @@
     </p:spTree>
     <p:extLst>
       <p:ext uri="{BB962C8B-B14F-4D97-AF65-F5344CB8AC3E}">
-        <p14:creationId xmlns:p14="http://schemas.microsoft.com/office/powerpoint/2010/main" val="3914113321"/>
+        <p14:creationId xmlns:p14="http://schemas.microsoft.com/office/powerpoint/2010/main" xmlns="" val="3914113321"/>
       </p:ext>
     </p:extLst>
   </p:cSld>
@@ -8953,7 +8953,7 @@
           <a:blip r:embed="rId2">
             <a:extLst>
               <a:ext uri="{BEBA8EAE-BF5A-486C-A8C5-ECC9F3942E4B}">
-                <a14:imgProps xmlns:a14="http://schemas.microsoft.com/office/drawing/2010/main">
+                <a14:imgProps xmlns:a14="http://schemas.microsoft.com/office/drawing/2010/main" xmlns="">
                   <a14:imgLayer r:embed="rId3">
                     <a14:imgEffect>
                       <a14:sharpenSoften amount="50000"/>
@@ -8962,7 +8962,7 @@
                 </a14:imgProps>
               </a:ext>
               <a:ext uri="{28A0092B-C50C-407E-A947-70E740481C1C}">
-                <a14:useLocalDpi xmlns:a14="http://schemas.microsoft.com/office/drawing/2010/main" val="0"/>
+                <a14:useLocalDpi xmlns:a14="http://schemas.microsoft.com/office/drawing/2010/main" xmlns="" val="0"/>
               </a:ext>
             </a:extLst>
           </a:blip>
@@ -8983,14 +8983,14 @@
           </a:ln>
           <a:extLst>
             <a:ext uri="{909E8E84-426E-40DD-AFC4-6F175D3DCCD1}">
-              <a14:hiddenFill xmlns:a14="http://schemas.microsoft.com/office/drawing/2010/main">
+              <a14:hiddenFill xmlns:a14="http://schemas.microsoft.com/office/drawing/2010/main" xmlns="">
                 <a:solidFill>
                   <a:srgbClr val="FFFFFF"/>
                 </a:solidFill>
               </a14:hiddenFill>
             </a:ext>
             <a:ext uri="{91240B29-F687-4F45-9708-019B960494DF}">
-              <a14:hiddenLine xmlns:a14="http://schemas.microsoft.com/office/drawing/2010/main" w="9525">
+              <a14:hiddenLine xmlns:a14="http://schemas.microsoft.com/office/drawing/2010/main" xmlns="" w="9525">
                 <a:solidFill>
                   <a:srgbClr val="000000"/>
                 </a:solidFill>
@@ -9005,7 +9005,7 @@
     </p:spTree>
     <p:extLst>
       <p:ext uri="{BB962C8B-B14F-4D97-AF65-F5344CB8AC3E}">
-        <p14:creationId xmlns:p14="http://schemas.microsoft.com/office/powerpoint/2010/main" val="3066564215"/>
+        <p14:creationId xmlns:p14="http://schemas.microsoft.com/office/powerpoint/2010/main" xmlns="" val="3066564215"/>
       </p:ext>
     </p:extLst>
   </p:cSld>
@@ -9145,7 +9145,7 @@
     </p:spTree>
     <p:extLst>
       <p:ext uri="{BB962C8B-B14F-4D97-AF65-F5344CB8AC3E}">
-        <p14:creationId xmlns:p14="http://schemas.microsoft.com/office/powerpoint/2010/main" val="1713510846"/>
+        <p14:creationId xmlns:p14="http://schemas.microsoft.com/office/powerpoint/2010/main" xmlns="" val="1713510846"/>
       </p:ext>
     </p:extLst>
   </p:cSld>
@@ -9221,7 +9221,7 @@
           <a:blip r:embed="rId2">
             <a:extLst>
               <a:ext uri="{BEBA8EAE-BF5A-486C-A8C5-ECC9F3942E4B}">
-                <a14:imgProps xmlns:a14="http://schemas.microsoft.com/office/drawing/2010/main">
+                <a14:imgProps xmlns:a14="http://schemas.microsoft.com/office/drawing/2010/main" xmlns="">
                   <a14:imgLayer r:embed="rId3">
                     <a14:imgEffect>
                       <a14:sharpenSoften amount="25000"/>
@@ -9230,7 +9230,7 @@
                 </a14:imgProps>
               </a:ext>
               <a:ext uri="{28A0092B-C50C-407E-A947-70E740481C1C}">
-                <a14:useLocalDpi xmlns:a14="http://schemas.microsoft.com/office/drawing/2010/main" val="0"/>
+                <a14:useLocalDpi xmlns:a14="http://schemas.microsoft.com/office/drawing/2010/main" xmlns="" val="0"/>
               </a:ext>
             </a:extLst>
           </a:blip>
@@ -9251,14 +9251,14 @@
           </a:ln>
           <a:extLst>
             <a:ext uri="{909E8E84-426E-40DD-AFC4-6F175D3DCCD1}">
-              <a14:hiddenFill xmlns:a14="http://schemas.microsoft.com/office/drawing/2010/main">
+              <a14:hiddenFill xmlns:a14="http://schemas.microsoft.com/office/drawing/2010/main" xmlns="">
                 <a:solidFill>
                   <a:srgbClr val="FFFFFF"/>
                 </a:solidFill>
               </a14:hiddenFill>
             </a:ext>
             <a:ext uri="{91240B29-F687-4F45-9708-019B960494DF}">
-              <a14:hiddenLine xmlns:a14="http://schemas.microsoft.com/office/drawing/2010/main" w="9525">
+              <a14:hiddenLine xmlns:a14="http://schemas.microsoft.com/office/drawing/2010/main" xmlns="" w="9525">
                 <a:solidFill>
                   <a:srgbClr val="000000"/>
                 </a:solidFill>
@@ -9273,7 +9273,7 @@
     </p:spTree>
     <p:extLst>
       <p:ext uri="{BB962C8B-B14F-4D97-AF65-F5344CB8AC3E}">
-        <p14:creationId xmlns:p14="http://schemas.microsoft.com/office/powerpoint/2010/main" val="3185192110"/>
+        <p14:creationId xmlns:p14="http://schemas.microsoft.com/office/powerpoint/2010/main" xmlns="" val="3185192110"/>
       </p:ext>
     </p:extLst>
   </p:cSld>
@@ -9405,7 +9405,7 @@
     </p:spTree>
     <p:extLst>
       <p:ext uri="{BB962C8B-B14F-4D97-AF65-F5344CB8AC3E}">
-        <p14:creationId xmlns:p14="http://schemas.microsoft.com/office/powerpoint/2010/main" val="3653841318"/>
+        <p14:creationId xmlns:p14="http://schemas.microsoft.com/office/powerpoint/2010/main" xmlns="" val="3653841318"/>
       </p:ext>
     </p:extLst>
   </p:cSld>
@@ -9545,7 +9545,7 @@
     </p:spTree>
     <p:extLst>
       <p:ext uri="{BB962C8B-B14F-4D97-AF65-F5344CB8AC3E}">
-        <p14:creationId xmlns:p14="http://schemas.microsoft.com/office/powerpoint/2010/main" val="3387897376"/>
+        <p14:creationId xmlns:p14="http://schemas.microsoft.com/office/powerpoint/2010/main" xmlns="" val="3387897376"/>
       </p:ext>
     </p:extLst>
   </p:cSld>
@@ -9644,7 +9644,7 @@
     </p:spTree>
     <p:extLst>
       <p:ext uri="{BB962C8B-B14F-4D97-AF65-F5344CB8AC3E}">
-        <p14:creationId xmlns:p14="http://schemas.microsoft.com/office/powerpoint/2010/main" val="3838830352"/>
+        <p14:creationId xmlns:p14="http://schemas.microsoft.com/office/powerpoint/2010/main" xmlns="" val="3838830352"/>
       </p:ext>
     </p:extLst>
   </p:cSld>
@@ -9761,7 +9761,7 @@
     </p:spTree>
     <p:extLst>
       <p:ext uri="{BB962C8B-B14F-4D97-AF65-F5344CB8AC3E}">
-        <p14:creationId xmlns:p14="http://schemas.microsoft.com/office/powerpoint/2010/main" val="2074896680"/>
+        <p14:creationId xmlns:p14="http://schemas.microsoft.com/office/powerpoint/2010/main" xmlns="" val="2074896680"/>
       </p:ext>
     </p:extLst>
   </p:cSld>
@@ -9837,7 +9837,7 @@
           <a:blip r:embed="rId2">
             <a:extLst>
               <a:ext uri="{28A0092B-C50C-407E-A947-70E740481C1C}">
-                <a14:useLocalDpi xmlns:a14="http://schemas.microsoft.com/office/drawing/2010/main" val="0"/>
+                <a14:useLocalDpi xmlns:a14="http://schemas.microsoft.com/office/drawing/2010/main" xmlns="" val="0"/>
               </a:ext>
             </a:extLst>
           </a:blip>
@@ -9857,7 +9857,7 @@
           <a:noFill/>
           <a:extLst>
             <a:ext uri="{909E8E84-426E-40DD-AFC4-6F175D3DCCD1}">
-              <a14:hiddenFill xmlns:a14="http://schemas.microsoft.com/office/drawing/2010/main">
+              <a14:hiddenFill xmlns:a14="http://schemas.microsoft.com/office/drawing/2010/main" xmlns="">
                 <a:solidFill>
                   <a:srgbClr val="FFFFFF"/>
                 </a:solidFill>
@@ -9869,7 +9869,7 @@
     </p:spTree>
     <p:extLst>
       <p:ext uri="{BB962C8B-B14F-4D97-AF65-F5344CB8AC3E}">
-        <p14:creationId xmlns:p14="http://schemas.microsoft.com/office/powerpoint/2010/main" val="4039569687"/>
+        <p14:creationId xmlns:p14="http://schemas.microsoft.com/office/powerpoint/2010/main" xmlns="" val="4039569687"/>
       </p:ext>
     </p:extLst>
   </p:cSld>
@@ -10022,7 +10022,7 @@
     </p:spTree>
     <p:extLst>
       <p:ext uri="{BB962C8B-B14F-4D97-AF65-F5344CB8AC3E}">
-        <p14:creationId xmlns:p14="http://schemas.microsoft.com/office/powerpoint/2010/main" val="2390280967"/>
+        <p14:creationId xmlns:p14="http://schemas.microsoft.com/office/powerpoint/2010/main" xmlns="" val="2390280967"/>
       </p:ext>
     </p:extLst>
   </p:cSld>
@@ -10135,45 +10135,8 @@
             </a:pPr>
             <a:r>
               <a:rPr lang="pt-BR" sz="2400" dirty="0" smtClean="0"/>
-              <a:t>As memórias evoluíram para os módulos SIMM de 72 vias e tecnologias FPM e </a:t>
-            </a:r>
-            <a:r>
-              <a:rPr lang="pt-BR" sz="2400" dirty="0" smtClean="0"/>
-              <a:t>EDO, que aceleravam o tempo de acesso aos dados. A instalação </a:t>
-            </a:r>
-            <a:r>
-              <a:rPr lang="pt-BR" sz="2400" dirty="0" smtClean="0"/>
-              <a:t>em máquinas Pentium </a:t>
-            </a:r>
-            <a:r>
-              <a:rPr lang="pt-BR" sz="2400" dirty="0" smtClean="0"/>
-              <a:t>era feita aos pares, pois o </a:t>
-            </a:r>
-            <a:r>
-              <a:rPr lang="pt-BR" sz="2400" dirty="0" smtClean="0"/>
-              <a:t>barramento </a:t>
-            </a:r>
-            <a:r>
-              <a:rPr lang="pt-BR" sz="2400" dirty="0" smtClean="0"/>
-              <a:t>de dados dos </a:t>
-            </a:r>
-            <a:r>
-              <a:rPr lang="pt-BR" sz="2400" dirty="0" smtClean="0"/>
-              <a:t>Pentium </a:t>
-            </a:r>
-            <a:r>
-              <a:rPr lang="pt-BR" sz="2400" dirty="0" smtClean="0"/>
-              <a:t>tinha 64 bits; nos 486, </a:t>
-            </a:r>
-            <a:r>
-              <a:rPr lang="pt-BR" sz="2400" dirty="0" smtClean="0"/>
-              <a:t>poderia ser somente um </a:t>
-            </a:r>
-            <a:r>
-              <a:rPr lang="pt-BR" sz="2400" dirty="0" smtClean="0"/>
-              <a:t>módulo de cada vez.</a:t>
-            </a:r>
-            <a:endParaRPr lang="pt-BR" sz="2400" dirty="0" smtClean="0"/>
+              <a:t>As memórias evoluíram para os módulos SIMM de 72 vias e tecnologias FPM e EDO, que aceleravam o tempo de acesso aos dados. A instalação em máquinas Pentium era feita aos pares, pois o barramento de dados dos Pentium tinha 64 bits; nos 486, poderia ser somente um módulo de cada vez.</a:t>
+            </a:r>
           </a:p>
         </p:txBody>
       </p:sp>
@@ -10203,7 +10166,7 @@
     </p:spTree>
     <p:extLst>
       <p:ext uri="{BB962C8B-B14F-4D97-AF65-F5344CB8AC3E}">
-        <p14:creationId xmlns:p14="http://schemas.microsoft.com/office/powerpoint/2010/main" val="473006804"/>
+        <p14:creationId xmlns:p14="http://schemas.microsoft.com/office/powerpoint/2010/main" xmlns="" val="473006804"/>
       </p:ext>
     </p:extLst>
   </p:cSld>
@@ -10353,7 +10316,7 @@
     </p:spTree>
     <p:extLst>
       <p:ext uri="{BB962C8B-B14F-4D97-AF65-F5344CB8AC3E}">
-        <p14:creationId xmlns:p14="http://schemas.microsoft.com/office/powerpoint/2010/main" val="1264424758"/>
+        <p14:creationId xmlns:p14="http://schemas.microsoft.com/office/powerpoint/2010/main" xmlns="" val="1264424758"/>
       </p:ext>
     </p:extLst>
   </p:cSld>
@@ -10455,23 +10418,7 @@
             </a:pPr>
             <a:r>
               <a:rPr lang="pt-BR" dirty="0" smtClean="0"/>
-              <a:t>Em meio à década de 90, a Apple passou a adotar alguns padrões </a:t>
-            </a:r>
-            <a:r>
-              <a:rPr lang="pt-BR" dirty="0" smtClean="0"/>
-              <a:t>comuns nos PCs</a:t>
-            </a:r>
-            <a:r>
-              <a:rPr lang="pt-BR" dirty="0" smtClean="0"/>
-              <a:t>, como o barramento PCI. Os componentes, no entanto, </a:t>
-            </a:r>
-            <a:r>
-              <a:rPr lang="pt-BR" dirty="0" smtClean="0"/>
-              <a:t>não </a:t>
-            </a:r>
-            <a:r>
-              <a:rPr lang="pt-BR" dirty="0" smtClean="0"/>
-              <a:t>eram intercambiáveis por diferenças de arquitetura das </a:t>
+              <a:t>Em meio à década de 90, a Apple passou a adotar alguns padrões comuns nos PCs, como o barramento PCI. Os componentes, no entanto, não eram intercambiáveis por diferenças de arquitetura das </a:t>
             </a:r>
             <a:r>
               <a:rPr lang="pt-BR" dirty="0" err="1" smtClean="0"/>
@@ -10479,17 +10426,8 @@
             </a:r>
             <a:r>
               <a:rPr lang="pt-BR" dirty="0" smtClean="0"/>
-              <a:t>: a </a:t>
-            </a:r>
-            <a:r>
-              <a:rPr lang="pt-BR" dirty="0" smtClean="0"/>
-              <a:t>Apple utilizava processadores </a:t>
-            </a:r>
-            <a:r>
-              <a:rPr lang="pt-BR" dirty="0" smtClean="0"/>
-              <a:t>RISC produzidos em parceria com IBM e Motorola.</a:t>
-            </a:r>
-            <a:endParaRPr lang="pt-BR" dirty="0" smtClean="0"/>
+              <a:t>: a Apple utilizava processadores RISC produzidos em parceria com IBM e Motorola.</a:t>
+            </a:r>
           </a:p>
         </p:txBody>
       </p:sp>
@@ -10519,7 +10457,7 @@
     </p:spTree>
     <p:extLst>
       <p:ext uri="{BB962C8B-B14F-4D97-AF65-F5344CB8AC3E}">
-        <p14:creationId xmlns:p14="http://schemas.microsoft.com/office/powerpoint/2010/main" val="2268405771"/>
+        <p14:creationId xmlns:p14="http://schemas.microsoft.com/office/powerpoint/2010/main" xmlns="" val="2268405771"/>
       </p:ext>
     </p:extLst>
   </p:cSld>
@@ -10637,15 +10575,7 @@
             </a:r>
             <a:r>
               <a:rPr lang="pt-BR" sz="2400" dirty="0" smtClean="0"/>
-              <a:t>som. </a:t>
-            </a:r>
-            <a:r>
-              <a:rPr lang="pt-BR" sz="2400" dirty="0" smtClean="0"/>
-              <a:t>Estes componentes </a:t>
-            </a:r>
-            <a:r>
-              <a:rPr lang="pt-BR" sz="2400" dirty="0" smtClean="0"/>
-              <a:t>passaram a se chamar “</a:t>
+              <a:t>som. Estes componentes passaram a se chamar “</a:t>
             </a:r>
             <a:r>
               <a:rPr lang="pt-BR" sz="2400" dirty="0" err="1" smtClean="0"/>
@@ -10661,17 +10591,8 @@
             </a:r>
             <a:r>
               <a:rPr lang="pt-BR" sz="2400" dirty="0" smtClean="0"/>
-              <a:t>” (“na placa”, em Ingl</a:t>
-            </a:r>
-            <a:r>
-              <a:rPr lang="pt-BR" sz="2400" dirty="0" smtClean="0"/>
-              <a:t>ês)</a:t>
-            </a:r>
-            <a:r>
-              <a:rPr lang="pt-BR" sz="2400" dirty="0" smtClean="0"/>
-              <a:t>.</a:t>
-            </a:r>
-            <a:endParaRPr lang="pt-BR" sz="2400" dirty="0" smtClean="0"/>
+              <a:t>” (“na placa”, em Inglês).</a:t>
+            </a:r>
           </a:p>
           <a:p>
             <a:pPr>
@@ -10744,7 +10665,7 @@
     </p:spTree>
     <p:extLst>
       <p:ext uri="{BB962C8B-B14F-4D97-AF65-F5344CB8AC3E}">
-        <p14:creationId xmlns:p14="http://schemas.microsoft.com/office/powerpoint/2010/main" val="4268608659"/>
+        <p14:creationId xmlns:p14="http://schemas.microsoft.com/office/powerpoint/2010/main" xmlns="" val="4268608659"/>
       </p:ext>
     </p:extLst>
   </p:cSld>
@@ -10803,19 +10724,7 @@
             </a:pPr>
             <a:r>
               <a:rPr lang="pt-BR" sz="2400" dirty="0" smtClean="0"/>
-              <a:t>Mesmo com estes avanços, a </a:t>
-            </a:r>
-            <a:r>
-              <a:rPr lang="pt-BR" sz="2400" dirty="0" smtClean="0"/>
-              <a:t>manutenção dos computadores neste </a:t>
-            </a:r>
-            <a:r>
-              <a:rPr lang="pt-BR" sz="2400" dirty="0" smtClean="0"/>
-              <a:t>período ainda não </a:t>
-            </a:r>
-            <a:r>
-              <a:rPr lang="pt-BR" sz="2400" dirty="0" smtClean="0"/>
-              <a:t>era tão simples. </a:t>
+              <a:t>Mesmo com estes avanços, a manutenção dos computadores neste período ainda não era tão simples. </a:t>
             </a:r>
           </a:p>
           <a:p>
@@ -10834,23 +10743,7 @@
             </a:pPr>
             <a:r>
               <a:rPr lang="pt-BR" sz="2400" dirty="0" smtClean="0"/>
-              <a:t>O primeiro motivo era a falta de documentação. Temos que lembrar que a Internet ainda estava engatinhando aqui no </a:t>
-            </a:r>
-            <a:r>
-              <a:rPr lang="pt-BR" sz="2400" dirty="0" smtClean="0"/>
-              <a:t>Brasil, poucos tinham acesso à rede. Mesmo assim</a:t>
-            </a:r>
-            <a:r>
-              <a:rPr lang="pt-BR" sz="2400" dirty="0" smtClean="0"/>
-              <a:t>, muitos fabricantes de componentes nem sequer possuíam uma página </a:t>
-            </a:r>
-            <a:r>
-              <a:rPr lang="pt-BR" sz="2400" dirty="0" smtClean="0"/>
-              <a:t>com informações de suas </a:t>
-            </a:r>
-            <a:r>
-              <a:rPr lang="pt-BR" sz="2400" dirty="0" smtClean="0"/>
-              <a:t>peças.</a:t>
+              <a:t>O primeiro motivo era a falta de documentação. Temos que lembrar que a Internet ainda estava engatinhando aqui no Brasil, poucos tinham acesso à rede. Mesmo assim, muitos fabricantes de componentes nem sequer possuíam uma página com informações de suas peças.</a:t>
             </a:r>
           </a:p>
           <a:p>
@@ -10869,11 +10762,7 @@
             </a:pPr>
             <a:r>
               <a:rPr lang="pt-BR" sz="2400" dirty="0" smtClean="0"/>
-              <a:t>A </a:t>
-            </a:r>
-            <a:r>
-              <a:rPr lang="pt-BR" sz="2400" dirty="0" smtClean="0"/>
-              <a:t>maioria dos técnicos se utilizava de um banco de </a:t>
+              <a:t>A maioria dos técnicos se utilizava de um banco de </a:t>
             </a:r>
             <a:r>
               <a:rPr lang="pt-BR" sz="2400" i="1" dirty="0" smtClean="0"/>
@@ -10889,11 +10778,7 @@
             </a:r>
             <a:r>
               <a:rPr lang="pt-BR" sz="2400" dirty="0" smtClean="0"/>
-              <a:t>comuns</a:t>
-            </a:r>
-            <a:r>
-              <a:rPr lang="pt-BR" sz="2400" dirty="0" smtClean="0"/>
-              <a:t>. Alguns acessavam </a:t>
+              <a:t>comuns. Alguns acessavam </a:t>
             </a:r>
             <a:r>
               <a:rPr lang="pt-BR" sz="2400" dirty="0" err="1" smtClean="0"/>
@@ -10903,7 +10788,6 @@
               <a:rPr lang="pt-BR" sz="2400" dirty="0" smtClean="0"/>
               <a:t>, que eram semelhantes aos fóruns de troca de informação atuais. </a:t>
             </a:r>
-            <a:endParaRPr lang="pt-BR" sz="2400" dirty="0" smtClean="0"/>
           </a:p>
         </p:txBody>
       </p:sp>
@@ -10933,7 +10817,7 @@
     </p:spTree>
     <p:extLst>
       <p:ext uri="{BB962C8B-B14F-4D97-AF65-F5344CB8AC3E}">
-        <p14:creationId xmlns:p14="http://schemas.microsoft.com/office/powerpoint/2010/main" val="1587602322"/>
+        <p14:creationId xmlns:p14="http://schemas.microsoft.com/office/powerpoint/2010/main" xmlns="" val="1587602322"/>
       </p:ext>
     </p:extLst>
   </p:cSld>
@@ -10992,15 +10876,7 @@
             </a:pPr>
             <a:r>
               <a:rPr lang="pt-BR" sz="2400" dirty="0" smtClean="0"/>
-              <a:t>O conhecimento em eletrônica já não era tão importante, </a:t>
-            </a:r>
-            <a:r>
-              <a:rPr lang="pt-BR" sz="2400" dirty="0" smtClean="0"/>
-              <a:t>mas ainda assim </a:t>
-            </a:r>
-            <a:r>
-              <a:rPr lang="pt-BR" sz="2400" dirty="0" smtClean="0"/>
-              <a:t>muitos problemas com placas tinham que ser solucionados com o reparo direto.</a:t>
+              <a:t>O conhecimento em eletrônica já não era tão importante, mas ainda assim muitos problemas com placas tinham que ser solucionados com o reparo direto.</a:t>
             </a:r>
           </a:p>
           <a:p>
@@ -11027,21 +10903,8 @@
             </a:r>
             <a:r>
               <a:rPr lang="pt-BR" sz="2400" dirty="0" smtClean="0"/>
-              <a:t>pesar de não serem baratos, já compensava a troca de placas e componentes </a:t>
-            </a:r>
-            <a:r>
-              <a:rPr lang="pt-BR" sz="2400" dirty="0" smtClean="0"/>
-              <a:t>defeituosos inteiros, </a:t>
-            </a:r>
-            <a:r>
-              <a:rPr lang="pt-BR" sz="2400" dirty="0" smtClean="0"/>
-              <a:t>em vez do </a:t>
-            </a:r>
-            <a:r>
-              <a:rPr lang="pt-BR" sz="2400" dirty="0" smtClean="0"/>
-              <a:t>reparo de uma peça específica.</a:t>
-            </a:r>
-            <a:endParaRPr lang="pt-BR" sz="2400" dirty="0" smtClean="0"/>
+              <a:t>pesar de não serem baratos, já compensava a troca de placas e componentes defeituosos inteiros, em vez do reparo de uma peça específica.</a:t>
+            </a:r>
           </a:p>
           <a:p>
             <a:pPr>
@@ -11107,7 +10970,7 @@
     </p:spTree>
     <p:extLst>
       <p:ext uri="{BB962C8B-B14F-4D97-AF65-F5344CB8AC3E}">
-        <p14:creationId xmlns:p14="http://schemas.microsoft.com/office/powerpoint/2010/main" val="1269578227"/>
+        <p14:creationId xmlns:p14="http://schemas.microsoft.com/office/powerpoint/2010/main" xmlns="" val="1269578227"/>
       </p:ext>
     </p:extLst>
   </p:cSld>
@@ -11202,23 +11065,7 @@
             </a:pPr>
             <a:r>
               <a:rPr lang="pt-BR" sz="2400" dirty="0" smtClean="0"/>
-              <a:t>Além disso, os tempos de acesso </a:t>
-            </a:r>
-            <a:r>
-              <a:rPr lang="pt-BR" sz="2400" dirty="0" smtClean="0"/>
-              <a:t>ainda tinham </a:t>
-            </a:r>
-            <a:r>
-              <a:rPr lang="pt-BR" sz="2400" dirty="0" smtClean="0"/>
-              <a:t>que ser configurados no BIOS </a:t>
-            </a:r>
-            <a:r>
-              <a:rPr lang="pt-BR" sz="2400" dirty="0" smtClean="0"/>
-              <a:t>nas </a:t>
-            </a:r>
-            <a:r>
-              <a:rPr lang="pt-BR" sz="2400" dirty="0" smtClean="0"/>
-              <a:t>máquinas 486 e Pentium, caso contrário o sistema poderia ficar instável.</a:t>
+              <a:t>Além disso, os tempos de acesso ainda tinham que ser configurados no BIOS nas máquinas 486 e Pentium, caso contrário o sistema poderia ficar instável.</a:t>
             </a:r>
           </a:p>
           <a:p>
@@ -11257,7 +11104,7 @@
     </p:spTree>
     <p:extLst>
       <p:ext uri="{BB962C8B-B14F-4D97-AF65-F5344CB8AC3E}">
-        <p14:creationId xmlns:p14="http://schemas.microsoft.com/office/powerpoint/2010/main" val="3318820110"/>
+        <p14:creationId xmlns:p14="http://schemas.microsoft.com/office/powerpoint/2010/main" xmlns="" val="3318820110"/>
       </p:ext>
     </p:extLst>
   </p:cSld>
@@ -11302,7 +11149,7 @@
             <p:ph idx="1"/>
             <p:extLst>
               <p:ext uri="{D42A27DB-BD31-4B8C-83A1-F6EECF244321}">
-                <p14:modId xmlns:p14="http://schemas.microsoft.com/office/powerpoint/2010/main" val="4044136126"/>
+                <p14:modId xmlns:p14="http://schemas.microsoft.com/office/powerpoint/2010/main" xmlns="" val="4044136126"/>
               </p:ext>
             </p:extLst>
           </p:nvPr>
@@ -11766,7 +11613,7 @@
     </p:spTree>
     <p:extLst>
       <p:ext uri="{BB962C8B-B14F-4D97-AF65-F5344CB8AC3E}">
-        <p14:creationId xmlns:p14="http://schemas.microsoft.com/office/powerpoint/2010/main" val="2869041029"/>
+        <p14:creationId xmlns:p14="http://schemas.microsoft.com/office/powerpoint/2010/main" xmlns="" val="2869041029"/>
       </p:ext>
     </p:extLst>
   </p:cSld>
@@ -11899,7 +11746,7 @@
     </p:spTree>
     <p:extLst>
       <p:ext uri="{BB962C8B-B14F-4D97-AF65-F5344CB8AC3E}">
-        <p14:creationId xmlns:p14="http://schemas.microsoft.com/office/powerpoint/2010/main" val="849306035"/>
+        <p14:creationId xmlns:p14="http://schemas.microsoft.com/office/powerpoint/2010/main" xmlns="" val="849306035"/>
       </p:ext>
     </p:extLst>
   </p:cSld>
@@ -11955,7 +11802,6 @@
               <a:rPr lang="pt-BR" sz="2600" dirty="0" smtClean="0"/>
               <a:t>Com a popularização da internet e a redução nos preços dos computadores, a quantidade de técnicos começou a aumentar de forma notável. </a:t>
             </a:r>
-            <a:endParaRPr lang="pt-BR" sz="2600" dirty="0" smtClean="0"/>
           </a:p>
           <a:p>
             <a:endParaRPr lang="pt-BR" sz="2600" dirty="0" smtClean="0"/>
@@ -11997,7 +11843,7 @@
     </p:spTree>
     <p:extLst>
       <p:ext uri="{BB962C8B-B14F-4D97-AF65-F5344CB8AC3E}">
-        <p14:creationId xmlns:p14="http://schemas.microsoft.com/office/powerpoint/2010/main" val="1075827632"/>
+        <p14:creationId xmlns:p14="http://schemas.microsoft.com/office/powerpoint/2010/main" xmlns="" val="1075827632"/>
       </p:ext>
     </p:extLst>
   </p:cSld>
@@ -12051,48 +11897,16 @@
           <a:p>
             <a:r>
               <a:rPr lang="pt-BR" sz="2200" dirty="0" smtClean="0"/>
-              <a:t>A partir de 2000, a maior evolução aqui no Brasil se deu </a:t>
-            </a:r>
+              <a:t>A partir de 2000, a maior evolução aqui no Brasil se deu mais pela maior disponibilidade do acesso à Internet (disseminação de provedores) e consequentemente pelo acesso à informação, do que pelo avanço da tecnologia. </a:t>
+            </a:r>
+          </a:p>
+          <a:p>
+            <a:endParaRPr lang="pt-BR" sz="2200" dirty="0" smtClean="0"/>
+          </a:p>
+          <a:p>
             <a:r>
               <a:rPr lang="pt-BR" sz="2200" dirty="0" smtClean="0"/>
-              <a:t>mais pela maior disponibilidade </a:t>
-            </a:r>
-            <a:r>
-              <a:rPr lang="pt-BR" sz="2200" dirty="0" smtClean="0"/>
-              <a:t>do acesso à Internet (disseminação de provedores) e </a:t>
-            </a:r>
-            <a:r>
-              <a:rPr lang="pt-BR" sz="2200" dirty="0" smtClean="0"/>
-              <a:t>consequentemente pelo acesso </a:t>
-            </a:r>
-            <a:r>
-              <a:rPr lang="pt-BR" sz="2200" dirty="0" smtClean="0"/>
-              <a:t>à </a:t>
-            </a:r>
-            <a:r>
-              <a:rPr lang="pt-BR" sz="2200" dirty="0" smtClean="0"/>
-              <a:t>informação, </a:t>
-            </a:r>
-            <a:r>
-              <a:rPr lang="pt-BR" sz="2200" dirty="0" smtClean="0"/>
-              <a:t>do que pelo avanço da tecnologia. </a:t>
-            </a:r>
-          </a:p>
-          <a:p>
-            <a:endParaRPr lang="pt-BR" sz="2200" dirty="0" smtClean="0"/>
-          </a:p>
-          <a:p>
-            <a:r>
-              <a:rPr lang="pt-BR" sz="2200" dirty="0" smtClean="0"/>
-              <a:t>Neste </a:t>
-            </a:r>
-            <a:r>
-              <a:rPr lang="pt-BR" sz="2200" dirty="0" smtClean="0"/>
-              <a:t>tempo, </a:t>
-            </a:r>
-            <a:r>
-              <a:rPr lang="pt-BR" sz="2200" dirty="0" smtClean="0"/>
-              <a:t>as máquinas predominantes no mercado eram as baseadas na arquitetura do Pentium Pro, ou seja: Pentium II, III e Celeron, bem como máquinas com processadores AMD K6, concorrentes da Intel.</a:t>
+              <a:t>Neste tempo, as máquinas predominantes no mercado eram as baseadas na arquitetura do Pentium Pro, ou seja: Pentium II, III e Celeron, bem como máquinas com processadores AMD K6, concorrentes da Intel.</a:t>
             </a:r>
           </a:p>
           <a:p>
@@ -12132,7 +11946,7 @@
     </p:spTree>
     <p:extLst>
       <p:ext uri="{BB962C8B-B14F-4D97-AF65-F5344CB8AC3E}">
-        <p14:creationId xmlns:p14="http://schemas.microsoft.com/office/powerpoint/2010/main" val="1346683952"/>
+        <p14:creationId xmlns:p14="http://schemas.microsoft.com/office/powerpoint/2010/main" xmlns="" val="1346683952"/>
       </p:ext>
     </p:extLst>
   </p:cSld>
@@ -12245,7 +12059,7 @@
     </p:spTree>
     <p:extLst>
       <p:ext uri="{BB962C8B-B14F-4D97-AF65-F5344CB8AC3E}">
-        <p14:creationId xmlns:p14="http://schemas.microsoft.com/office/powerpoint/2010/main" val="3855533037"/>
+        <p14:creationId xmlns:p14="http://schemas.microsoft.com/office/powerpoint/2010/main" xmlns="" val="3855533037"/>
       </p:ext>
     </p:extLst>
   </p:cSld>
@@ -12379,7 +12193,7 @@
     </p:spTree>
     <p:extLst>
       <p:ext uri="{BB962C8B-B14F-4D97-AF65-F5344CB8AC3E}">
-        <p14:creationId xmlns:p14="http://schemas.microsoft.com/office/powerpoint/2010/main" val="802527177"/>
+        <p14:creationId xmlns:p14="http://schemas.microsoft.com/office/powerpoint/2010/main" xmlns="" val="802527177"/>
       </p:ext>
     </p:extLst>
   </p:cSld>
@@ -12496,7 +12310,7 @@
     </p:spTree>
     <p:extLst>
       <p:ext uri="{BB962C8B-B14F-4D97-AF65-F5344CB8AC3E}">
-        <p14:creationId xmlns:p14="http://schemas.microsoft.com/office/powerpoint/2010/main" val="1587297627"/>
+        <p14:creationId xmlns:p14="http://schemas.microsoft.com/office/powerpoint/2010/main" xmlns="" val="1587297627"/>
       </p:ext>
     </p:extLst>
   </p:cSld>
@@ -12587,23 +12401,7 @@
           <a:p>
             <a:r>
               <a:rPr lang="pt-BR" sz="2400" dirty="0" smtClean="0"/>
-              <a:t>A fonte também se tornou um item muito </a:t>
-            </a:r>
-            <a:r>
-              <a:rPr lang="pt-BR" sz="2400" dirty="0" smtClean="0"/>
-              <a:t>vulnerável; </a:t>
-            </a:r>
-            <a:r>
-              <a:rPr lang="pt-BR" sz="2400" dirty="0" smtClean="0"/>
-              <a:t>a qualidade dos modelos mais baratos diminuiu muito se tornando muito </a:t>
-            </a:r>
-            <a:r>
-              <a:rPr lang="pt-BR" sz="2400" dirty="0" smtClean="0"/>
-              <a:t>frequente </a:t>
-            </a:r>
-            <a:r>
-              <a:rPr lang="pt-BR" sz="2400" dirty="0" smtClean="0"/>
-              <a:t>a sua queima e substituição.</a:t>
+              <a:t>A fonte também se tornou um item muito vulnerável; a qualidade dos modelos mais baratos diminuiu muito se tornando muito frequente a sua queima e substituição.</a:t>
             </a:r>
           </a:p>
         </p:txBody>
@@ -12634,7 +12432,7 @@
     </p:spTree>
     <p:extLst>
       <p:ext uri="{BB962C8B-B14F-4D97-AF65-F5344CB8AC3E}">
-        <p14:creationId xmlns:p14="http://schemas.microsoft.com/office/powerpoint/2010/main" val="3454700666"/>
+        <p14:creationId xmlns:p14="http://schemas.microsoft.com/office/powerpoint/2010/main" xmlns="" val="3454700666"/>
       </p:ext>
     </p:extLst>
   </p:cSld>
@@ -12811,7 +12609,7 @@
     </p:spTree>
     <p:extLst>
       <p:ext uri="{BB962C8B-B14F-4D97-AF65-F5344CB8AC3E}">
-        <p14:creationId xmlns:p14="http://schemas.microsoft.com/office/powerpoint/2010/main" val="740809660"/>
+        <p14:creationId xmlns:p14="http://schemas.microsoft.com/office/powerpoint/2010/main" xmlns="" val="740809660"/>
       </p:ext>
     </p:extLst>
   </p:cSld>
@@ -12919,7 +12717,7 @@
     </p:spTree>
     <p:extLst>
       <p:ext uri="{BB962C8B-B14F-4D97-AF65-F5344CB8AC3E}">
-        <p14:creationId xmlns:p14="http://schemas.microsoft.com/office/powerpoint/2010/main" val="1609510685"/>
+        <p14:creationId xmlns:p14="http://schemas.microsoft.com/office/powerpoint/2010/main" xmlns="" val="1609510685"/>
       </p:ext>
     </p:extLst>
   </p:cSld>
@@ -12991,7 +12789,7 @@
           <a:blip r:embed="rId2">
             <a:extLst>
               <a:ext uri="{28A0092B-C50C-407E-A947-70E740481C1C}">
-                <a14:useLocalDpi xmlns:a14="http://schemas.microsoft.com/office/drawing/2010/main" val="0"/>
+                <a14:useLocalDpi xmlns:a14="http://schemas.microsoft.com/office/drawing/2010/main" xmlns="" val="0"/>
               </a:ext>
             </a:extLst>
           </a:blip>
@@ -13014,14 +12812,14 @@
           </a:ln>
           <a:extLst>
             <a:ext uri="{909E8E84-426E-40DD-AFC4-6F175D3DCCD1}">
-              <a14:hiddenFill xmlns:a14="http://schemas.microsoft.com/office/drawing/2010/main">
+              <a14:hiddenFill xmlns:a14="http://schemas.microsoft.com/office/drawing/2010/main" xmlns="">
                 <a:solidFill>
                   <a:srgbClr val="FFFFFF"/>
                 </a:solidFill>
               </a14:hiddenFill>
             </a:ext>
             <a:ext uri="{91240B29-F687-4F45-9708-019B960494DF}">
-              <a14:hiddenLine xmlns:a14="http://schemas.microsoft.com/office/drawing/2010/main" w="9525">
+              <a14:hiddenLine xmlns:a14="http://schemas.microsoft.com/office/drawing/2010/main" xmlns="" w="9525">
                 <a:solidFill>
                   <a:srgbClr val="000000"/>
                 </a:solidFill>
@@ -13036,7 +12834,7 @@
     </p:spTree>
     <p:extLst>
       <p:ext uri="{BB962C8B-B14F-4D97-AF65-F5344CB8AC3E}">
-        <p14:creationId xmlns:p14="http://schemas.microsoft.com/office/powerpoint/2010/main" val="283651105"/>
+        <p14:creationId xmlns:p14="http://schemas.microsoft.com/office/powerpoint/2010/main" xmlns="" val="283651105"/>
       </p:ext>
     </p:extLst>
   </p:cSld>
@@ -13168,7 +12966,7 @@
     </p:spTree>
     <p:extLst>
       <p:ext uri="{BB962C8B-B14F-4D97-AF65-F5344CB8AC3E}">
-        <p14:creationId xmlns:p14="http://schemas.microsoft.com/office/powerpoint/2010/main" val="3852828700"/>
+        <p14:creationId xmlns:p14="http://schemas.microsoft.com/office/powerpoint/2010/main" xmlns="" val="3852828700"/>
       </p:ext>
     </p:extLst>
   </p:cSld>
@@ -13234,15 +13032,7 @@
             </a:r>
             <a:r>
               <a:rPr lang="pt-BR" sz="2400" dirty="0" smtClean="0"/>
-              <a:t>pesar de os computadores de mesa com seus sistemas locais ainda serem a maioria, este paradigma está a mudar e em breve estaremos convivendo com dispositivos que armazenam informações diretamente na </a:t>
-            </a:r>
-            <a:r>
-              <a:rPr lang="pt-BR" sz="2400" dirty="0" smtClean="0"/>
-              <a:t>nuvem </a:t>
-            </a:r>
-            <a:r>
-              <a:rPr lang="pt-BR" sz="2400" dirty="0" smtClean="0"/>
-              <a:t>que, quando apresentarem problemas, simplesmente serão descartados e um novo será adquirido. </a:t>
+              <a:t>pesar de os computadores de mesa com seus sistemas locais ainda serem a maioria, este paradigma está a mudar e em breve estaremos convivendo com dispositivos que armazenam informações diretamente na nuvem que, quando apresentarem problemas, simplesmente serão descartados e um novo será adquirido. </a:t>
             </a:r>
           </a:p>
         </p:txBody>
@@ -13273,7 +13063,7 @@
     </p:spTree>
     <p:extLst>
       <p:ext uri="{BB962C8B-B14F-4D97-AF65-F5344CB8AC3E}">
-        <p14:creationId xmlns:p14="http://schemas.microsoft.com/office/powerpoint/2010/main" val="2051728207"/>
+        <p14:creationId xmlns:p14="http://schemas.microsoft.com/office/powerpoint/2010/main" xmlns="" val="2051728207"/>
       </p:ext>
     </p:extLst>
   </p:cSld>
@@ -13355,13 +13145,8 @@
             </a:r>
             <a:r>
               <a:rPr lang="pt-BR" sz="2400" dirty="0" smtClean="0"/>
-              <a:t>antigamente caros, o reparo físico na maioria das vezes não compensa, ficando restrito </a:t>
-            </a:r>
-            <a:r>
-              <a:rPr lang="pt-BR" sz="2400" dirty="0" smtClean="0"/>
-              <a:t>a troca de memórias e disco rígido.</a:t>
-            </a:r>
-            <a:endParaRPr lang="pt-BR" sz="2400" dirty="0" smtClean="0"/>
+              <a:t>antigamente caros, o reparo físico na maioria das vezes não compensa, ficando restrito a troca de memórias e disco rígido.</a:t>
+            </a:r>
           </a:p>
           <a:p>
             <a:endParaRPr lang="pt-BR" sz="2400" dirty="0"/>
@@ -13378,11 +13163,7 @@
           <a:p>
             <a:r>
               <a:rPr lang="pt-BR" sz="2400" dirty="0" smtClean="0"/>
-              <a:t>Quase </a:t>
-            </a:r>
-            <a:r>
-              <a:rPr lang="pt-BR" sz="2400" dirty="0" smtClean="0"/>
-              <a:t>todos os usuários de computadores mais jovens já conhecem o básico para a manutenção de seus próprios equipamentos.</a:t>
+              <a:t>Quase todos os usuários de computadores mais jovens já conhecem o básico para a manutenção de seus próprios equipamentos.</a:t>
             </a:r>
           </a:p>
           <a:p>
@@ -13422,7 +13203,7 @@
     </p:spTree>
     <p:extLst>
       <p:ext uri="{BB962C8B-B14F-4D97-AF65-F5344CB8AC3E}">
-        <p14:creationId xmlns:p14="http://schemas.microsoft.com/office/powerpoint/2010/main" val="323084347"/>
+        <p14:creationId xmlns:p14="http://schemas.microsoft.com/office/powerpoint/2010/main" xmlns="" val="323084347"/>
       </p:ext>
     </p:extLst>
   </p:cSld>
@@ -13546,7 +13327,7 @@
     </p:spTree>
     <p:extLst>
       <p:ext uri="{BB962C8B-B14F-4D97-AF65-F5344CB8AC3E}">
-        <p14:creationId xmlns:p14="http://schemas.microsoft.com/office/powerpoint/2010/main" val="1434547828"/>
+        <p14:creationId xmlns:p14="http://schemas.microsoft.com/office/powerpoint/2010/main" xmlns="" val="1434547828"/>
       </p:ext>
     </p:extLst>
   </p:cSld>
@@ -13676,7 +13457,7 @@
     </p:spTree>
     <p:extLst>
       <p:ext uri="{BB962C8B-B14F-4D97-AF65-F5344CB8AC3E}">
-        <p14:creationId xmlns:p14="http://schemas.microsoft.com/office/powerpoint/2010/main" val="2799333599"/>
+        <p14:creationId xmlns:p14="http://schemas.microsoft.com/office/powerpoint/2010/main" xmlns="" val="2799333599"/>
       </p:ext>
     </p:extLst>
   </p:cSld>
@@ -13763,7 +13544,7 @@
     </p:spTree>
     <p:extLst>
       <p:ext uri="{BB962C8B-B14F-4D97-AF65-F5344CB8AC3E}">
-        <p14:creationId xmlns:p14="http://schemas.microsoft.com/office/powerpoint/2010/main" val="2789587757"/>
+        <p14:creationId xmlns:p14="http://schemas.microsoft.com/office/powerpoint/2010/main" xmlns="" val="2789587757"/>
       </p:ext>
     </p:extLst>
   </p:cSld>
@@ -13834,7 +13615,7 @@
           <a:blip r:embed="rId2">
             <a:extLst>
               <a:ext uri="{28A0092B-C50C-407E-A947-70E740481C1C}">
-                <a14:useLocalDpi xmlns:a14="http://schemas.microsoft.com/office/drawing/2010/main" val="0"/>
+                <a14:useLocalDpi xmlns:a14="http://schemas.microsoft.com/office/drawing/2010/main" xmlns="" val="0"/>
               </a:ext>
             </a:extLst>
           </a:blip>
@@ -13857,14 +13638,14 @@
           </a:ln>
           <a:extLst>
             <a:ext uri="{909E8E84-426E-40DD-AFC4-6F175D3DCCD1}">
-              <a14:hiddenFill xmlns:a14="http://schemas.microsoft.com/office/drawing/2010/main">
+              <a14:hiddenFill xmlns:a14="http://schemas.microsoft.com/office/drawing/2010/main" xmlns="">
                 <a:solidFill>
                   <a:srgbClr val="FFFFFF"/>
                 </a:solidFill>
               </a14:hiddenFill>
             </a:ext>
             <a:ext uri="{91240B29-F687-4F45-9708-019B960494DF}">
-              <a14:hiddenLine xmlns:a14="http://schemas.microsoft.com/office/drawing/2010/main" w="9525">
+              <a14:hiddenLine xmlns:a14="http://schemas.microsoft.com/office/drawing/2010/main" xmlns="" w="9525">
                 <a:solidFill>
                   <a:srgbClr val="000000"/>
                 </a:solidFill>
@@ -13879,7 +13660,7 @@
     </p:spTree>
     <p:extLst>
       <p:ext uri="{BB962C8B-B14F-4D97-AF65-F5344CB8AC3E}">
-        <p14:creationId xmlns:p14="http://schemas.microsoft.com/office/powerpoint/2010/main" val="1301199782"/>
+        <p14:creationId xmlns:p14="http://schemas.microsoft.com/office/powerpoint/2010/main" xmlns="" val="1301199782"/>
       </p:ext>
     </p:extLst>
   </p:cSld>
